--- a/Week_One/Presentations/GroupFour_DS4002_DataOverview&Hypothesis.pptx
+++ b/Week_One/Presentations/GroupFour_DS4002_DataOverview&Hypothesis.pptx
@@ -8684,11 +8684,11 @@
             </a:r>
             <a:r>
               <a:rPr b="1" lang="en"/>
-              <a:t>target</a:t>
+              <a:t>supervisor </a:t>
             </a:r>
             <a:r>
               <a:rPr lang="en"/>
-              <a:t> in the dataset}? </a:t>
+              <a:t>in the dataset}? </a:t>
             </a:r>
             <a:endParaRPr/>
           </a:p>
